--- a/docpac_mar25/WeeklyReview.pptx
+++ b/docpac_mar25/WeeklyReview.pptx
@@ -7,11 +7,12 @@
   <p:sldIdLst>
     <p:sldId id="256" r:id="rId5"/>
     <p:sldId id="264" r:id="rId6"/>
-    <p:sldId id="319" r:id="rId7"/>
-    <p:sldId id="321" r:id="rId8"/>
-    <p:sldId id="320" r:id="rId9"/>
-    <p:sldId id="318" r:id="rId10"/>
-    <p:sldId id="291" r:id="rId11"/>
+    <p:sldId id="322" r:id="rId7"/>
+    <p:sldId id="319" r:id="rId8"/>
+    <p:sldId id="321" r:id="rId9"/>
+    <p:sldId id="320" r:id="rId10"/>
+    <p:sldId id="318" r:id="rId11"/>
+    <p:sldId id="291" r:id="rId12"/>
   </p:sldIdLst>
   <p:sldSz cx="12192000" cy="6858000"/>
   <p:notesSz cx="6858000" cy="9144000"/>
@@ -271,18 +272,18 @@
   <pc:docChgLst>
     <pc:chgData name="Christopher Smith" userId="dd7fc2d5-9988-40ef-9498-c94fd49fd9a4" providerId="ADAL" clId="{8B6ED5FC-DCF5-46BD-B135-8D1DC124F50A}"/>
     <pc:docChg chg="undo custSel addSld delSld modSld sldOrd">
-      <pc:chgData name="Christopher Smith" userId="dd7fc2d5-9988-40ef-9498-c94fd49fd9a4" providerId="ADAL" clId="{8B6ED5FC-DCF5-46BD-B135-8D1DC124F50A}" dt="2022-03-21T11:47:21.433" v="2093" actId="20577"/>
+      <pc:chgData name="Christopher Smith" userId="dd7fc2d5-9988-40ef-9498-c94fd49fd9a4" providerId="ADAL" clId="{8B6ED5FC-DCF5-46BD-B135-8D1DC124F50A}" dt="2022-03-21T12:10:05.896" v="2850"/>
       <pc:docMkLst>
         <pc:docMk/>
       </pc:docMkLst>
       <pc:sldChg chg="modSp modAnim">
-        <pc:chgData name="Christopher Smith" userId="dd7fc2d5-9988-40ef-9498-c94fd49fd9a4" providerId="ADAL" clId="{8B6ED5FC-DCF5-46BD-B135-8D1DC124F50A}" dt="2022-03-21T11:34:24.317" v="1160" actId="20577"/>
+        <pc:chgData name="Christopher Smith" userId="dd7fc2d5-9988-40ef-9498-c94fd49fd9a4" providerId="ADAL" clId="{8B6ED5FC-DCF5-46BD-B135-8D1DC124F50A}" dt="2022-03-21T12:09:53.519" v="2845"/>
         <pc:sldMkLst>
           <pc:docMk/>
           <pc:sldMk cId="4169265430" sldId="264"/>
         </pc:sldMkLst>
         <pc:spChg chg="mod">
-          <ac:chgData name="Christopher Smith" userId="dd7fc2d5-9988-40ef-9498-c94fd49fd9a4" providerId="ADAL" clId="{8B6ED5FC-DCF5-46BD-B135-8D1DC124F50A}" dt="2022-03-21T11:34:24.317" v="1160" actId="20577"/>
+          <ac:chgData name="Christopher Smith" userId="dd7fc2d5-9988-40ef-9498-c94fd49fd9a4" providerId="ADAL" clId="{8B6ED5FC-DCF5-46BD-B135-8D1DC124F50A}" dt="2022-03-21T12:04:01.520" v="2095" actId="20577"/>
           <ac:spMkLst>
             <pc:docMk/>
             <pc:sldMk cId="4169265430" sldId="264"/>
@@ -340,7 +341,7 @@
         </pc:sldMkLst>
       </pc:sldChg>
       <pc:sldChg chg="modSp modAnim">
-        <pc:chgData name="Christopher Smith" userId="dd7fc2d5-9988-40ef-9498-c94fd49fd9a4" providerId="ADAL" clId="{8B6ED5FC-DCF5-46BD-B135-8D1DC124F50A}" dt="2022-03-21T11:47:21.433" v="2093" actId="20577"/>
+        <pc:chgData name="Christopher Smith" userId="dd7fc2d5-9988-40ef-9498-c94fd49fd9a4" providerId="ADAL" clId="{8B6ED5FC-DCF5-46BD-B135-8D1DC124F50A}" dt="2022-03-21T12:10:05.896" v="2850"/>
         <pc:sldMkLst>
           <pc:docMk/>
           <pc:sldMk cId="3886696013" sldId="318"/>
@@ -354,8 +355,8 @@
           </ac:spMkLst>
         </pc:spChg>
       </pc:sldChg>
-      <pc:sldChg chg="modSp add ord">
-        <pc:chgData name="Christopher Smith" userId="dd7fc2d5-9988-40ef-9498-c94fd49fd9a4" providerId="ADAL" clId="{8B6ED5FC-DCF5-46BD-B135-8D1DC124F50A}" dt="2022-03-21T11:47:08.393" v="2044" actId="20577"/>
+      <pc:sldChg chg="modSp add ord modAnim">
+        <pc:chgData name="Christopher Smith" userId="dd7fc2d5-9988-40ef-9498-c94fd49fd9a4" providerId="ADAL" clId="{8B6ED5FC-DCF5-46BD-B135-8D1DC124F50A}" dt="2022-03-21T12:09:57.864" v="2847"/>
         <pc:sldMkLst>
           <pc:docMk/>
           <pc:sldMk cId="1788829655" sldId="319"/>
@@ -377,8 +378,8 @@
           </ac:spMkLst>
         </pc:spChg>
       </pc:sldChg>
-      <pc:sldChg chg="modSp add ord">
-        <pc:chgData name="Christopher Smith" userId="dd7fc2d5-9988-40ef-9498-c94fd49fd9a4" providerId="ADAL" clId="{8B6ED5FC-DCF5-46BD-B135-8D1DC124F50A}" dt="2022-03-21T11:33:05.248" v="1093" actId="20577"/>
+      <pc:sldChg chg="modSp add ord modAnim">
+        <pc:chgData name="Christopher Smith" userId="dd7fc2d5-9988-40ef-9498-c94fd49fd9a4" providerId="ADAL" clId="{8B6ED5FC-DCF5-46BD-B135-8D1DC124F50A}" dt="2022-03-21T12:10:02.692" v="2849"/>
         <pc:sldMkLst>
           <pc:docMk/>
           <pc:sldMk cId="3737367186" sldId="320"/>
@@ -400,8 +401,8 @@
           </ac:spMkLst>
         </pc:spChg>
       </pc:sldChg>
-      <pc:sldChg chg="modSp add ord">
-        <pc:chgData name="Christopher Smith" userId="dd7fc2d5-9988-40ef-9498-c94fd49fd9a4" providerId="ADAL" clId="{8B6ED5FC-DCF5-46BD-B135-8D1DC124F50A}" dt="2022-03-21T11:38:02.231" v="1607" actId="20577"/>
+      <pc:sldChg chg="modSp add ord modAnim">
+        <pc:chgData name="Christopher Smith" userId="dd7fc2d5-9988-40ef-9498-c94fd49fd9a4" providerId="ADAL" clId="{8B6ED5FC-DCF5-46BD-B135-8D1DC124F50A}" dt="2022-03-21T12:10:00.450" v="2848"/>
         <pc:sldMkLst>
           <pc:docMk/>
           <pc:sldMk cId="1828171035" sldId="321"/>
@@ -420,6 +421,29 @@
             <pc:docMk/>
             <pc:sldMk cId="1828171035" sldId="321"/>
             <ac:spMk id="3" creationId="{3872EBCD-8B37-4EAB-BDB2-C18E6E509C5F}"/>
+          </ac:spMkLst>
+        </pc:spChg>
+      </pc:sldChg>
+      <pc:sldChg chg="modSp add modAnim">
+        <pc:chgData name="Christopher Smith" userId="dd7fc2d5-9988-40ef-9498-c94fd49fd9a4" providerId="ADAL" clId="{8B6ED5FC-DCF5-46BD-B135-8D1DC124F50A}" dt="2022-03-21T12:09:55.946" v="2846"/>
+        <pc:sldMkLst>
+          <pc:docMk/>
+          <pc:sldMk cId="210205997" sldId="322"/>
+        </pc:sldMkLst>
+        <pc:spChg chg="mod">
+          <ac:chgData name="Christopher Smith" userId="dd7fc2d5-9988-40ef-9498-c94fd49fd9a4" providerId="ADAL" clId="{8B6ED5FC-DCF5-46BD-B135-8D1DC124F50A}" dt="2022-03-21T12:04:15.152" v="2129" actId="20577"/>
+          <ac:spMkLst>
+            <pc:docMk/>
+            <pc:sldMk cId="210205997" sldId="322"/>
+            <ac:spMk id="2" creationId="{AE3A5FE8-28EB-4C4F-8186-E08714EA2BC2}"/>
+          </ac:spMkLst>
+        </pc:spChg>
+        <pc:spChg chg="mod">
+          <ac:chgData name="Christopher Smith" userId="dd7fc2d5-9988-40ef-9498-c94fd49fd9a4" providerId="ADAL" clId="{8B6ED5FC-DCF5-46BD-B135-8D1DC124F50A}" dt="2022-03-21T12:08:27.131" v="2844" actId="20577"/>
+          <ac:spMkLst>
+            <pc:docMk/>
+            <pc:sldMk cId="210205997" sldId="322"/>
+            <ac:spMk id="3" creationId="{76F30793-887E-4830-B01D-489F43093010}"/>
           </ac:spMkLst>
         </pc:spChg>
       </pc:sldChg>
@@ -3834,9 +3858,6 @@
           <a:p>
             <a:endParaRPr lang="en-US" dirty="0"/>
           </a:p>
-          <a:p>
-            <a:endParaRPr lang="en-US" dirty="0"/>
-          </a:p>
         </p:txBody>
       </p:sp>
     </p:spTree>
@@ -3870,7 +3891,7 @@
                             </p:stCondLst>
                             <p:childTnLst>
                               <p:par>
-                                <p:cTn id="5" presetID="31" presetClass="entr" presetSubtype="0" fill="hold" grpId="0" nodeType="clickEffect">
+                                <p:cTn id="5" presetID="1" presetClass="entr" presetSubtype="0" fill="hold" grpId="0" nodeType="clickEffect">
                                   <p:stCondLst>
                                     <p:cond delay="0"/>
                                   </p:stCondLst>
@@ -3897,99 +3918,6 @@
                                         <p:strVal val="visible"/>
                                       </p:to>
                                     </p:set>
-                                    <p:anim calcmode="lin" valueType="num">
-                                      <p:cBhvr>
-                                        <p:cTn id="7" dur="1000" fill="hold"/>
-                                        <p:tgtEl>
-                                          <p:spTgt spid="3">
-                                            <p:txEl>
-                                              <p:pRg st="0" end="0"/>
-                                            </p:txEl>
-                                          </p:spTgt>
-                                        </p:tgtEl>
-                                        <p:attrNameLst>
-                                          <p:attrName>ppt_w</p:attrName>
-                                        </p:attrNameLst>
-                                      </p:cBhvr>
-                                      <p:tavLst>
-                                        <p:tav tm="0">
-                                          <p:val>
-                                            <p:fltVal val="0"/>
-                                          </p:val>
-                                        </p:tav>
-                                        <p:tav tm="100000">
-                                          <p:val>
-                                            <p:strVal val="#ppt_w"/>
-                                          </p:val>
-                                        </p:tav>
-                                      </p:tavLst>
-                                    </p:anim>
-                                    <p:anim calcmode="lin" valueType="num">
-                                      <p:cBhvr>
-                                        <p:cTn id="8" dur="1000" fill="hold"/>
-                                        <p:tgtEl>
-                                          <p:spTgt spid="3">
-                                            <p:txEl>
-                                              <p:pRg st="0" end="0"/>
-                                            </p:txEl>
-                                          </p:spTgt>
-                                        </p:tgtEl>
-                                        <p:attrNameLst>
-                                          <p:attrName>ppt_h</p:attrName>
-                                        </p:attrNameLst>
-                                      </p:cBhvr>
-                                      <p:tavLst>
-                                        <p:tav tm="0">
-                                          <p:val>
-                                            <p:fltVal val="0"/>
-                                          </p:val>
-                                        </p:tav>
-                                        <p:tav tm="100000">
-                                          <p:val>
-                                            <p:strVal val="#ppt_h"/>
-                                          </p:val>
-                                        </p:tav>
-                                      </p:tavLst>
-                                    </p:anim>
-                                    <p:anim calcmode="lin" valueType="num">
-                                      <p:cBhvr>
-                                        <p:cTn id="9" dur="1000" fill="hold"/>
-                                        <p:tgtEl>
-                                          <p:spTgt spid="3">
-                                            <p:txEl>
-                                              <p:pRg st="0" end="0"/>
-                                            </p:txEl>
-                                          </p:spTgt>
-                                        </p:tgtEl>
-                                        <p:attrNameLst>
-                                          <p:attrName>style.rotation</p:attrName>
-                                        </p:attrNameLst>
-                                      </p:cBhvr>
-                                      <p:tavLst>
-                                        <p:tav tm="0">
-                                          <p:val>
-                                            <p:fltVal val="90"/>
-                                          </p:val>
-                                        </p:tav>
-                                        <p:tav tm="100000">
-                                          <p:val>
-                                            <p:fltVal val="0"/>
-                                          </p:val>
-                                        </p:tav>
-                                      </p:tavLst>
-                                    </p:anim>
-                                    <p:animEffect transition="in" filter="fade">
-                                      <p:cBhvr>
-                                        <p:cTn id="10" dur="1000"/>
-                                        <p:tgtEl>
-                                          <p:spTgt spid="3">
-                                            <p:txEl>
-                                              <p:pRg st="0" end="0"/>
-                                            </p:txEl>
-                                          </p:spTgt>
-                                        </p:tgtEl>
-                                      </p:cBhvr>
-                                    </p:animEffect>
                                   </p:childTnLst>
                                 </p:cTn>
                               </p:par>
@@ -4000,26 +3928,26 @@
                     </p:cTn>
                   </p:par>
                   <p:par>
-                    <p:cTn id="11" fill="hold">
+                    <p:cTn id="7" fill="hold">
                       <p:stCondLst>
                         <p:cond delay="indefinite"/>
                       </p:stCondLst>
                       <p:childTnLst>
                         <p:par>
-                          <p:cTn id="12" fill="hold">
+                          <p:cTn id="8" fill="hold">
                             <p:stCondLst>
                               <p:cond delay="0"/>
                             </p:stCondLst>
                             <p:childTnLst>
                               <p:par>
-                                <p:cTn id="13" presetID="31" presetClass="entr" presetSubtype="0" fill="hold" grpId="0" nodeType="clickEffect">
+                                <p:cTn id="9" presetID="1" presetClass="entr" presetSubtype="0" fill="hold" grpId="0" nodeType="clickEffect">
                                   <p:stCondLst>
                                     <p:cond delay="0"/>
                                   </p:stCondLst>
                                   <p:childTnLst>
                                     <p:set>
                                       <p:cBhvr>
-                                        <p:cTn id="14" dur="1" fill="hold">
+                                        <p:cTn id="10" dur="1" fill="hold">
                                           <p:stCondLst>
                                             <p:cond delay="0"/>
                                           </p:stCondLst>
@@ -4039,111 +3967,18 @@
                                         <p:strVal val="visible"/>
                                       </p:to>
                                     </p:set>
-                                    <p:anim calcmode="lin" valueType="num">
-                                      <p:cBhvr>
-                                        <p:cTn id="15" dur="1000" fill="hold"/>
-                                        <p:tgtEl>
-                                          <p:spTgt spid="3">
-                                            <p:txEl>
-                                              <p:pRg st="1" end="1"/>
-                                            </p:txEl>
-                                          </p:spTgt>
-                                        </p:tgtEl>
-                                        <p:attrNameLst>
-                                          <p:attrName>ppt_w</p:attrName>
-                                        </p:attrNameLst>
-                                      </p:cBhvr>
-                                      <p:tavLst>
-                                        <p:tav tm="0">
-                                          <p:val>
-                                            <p:fltVal val="0"/>
-                                          </p:val>
-                                        </p:tav>
-                                        <p:tav tm="100000">
-                                          <p:val>
-                                            <p:strVal val="#ppt_w"/>
-                                          </p:val>
-                                        </p:tav>
-                                      </p:tavLst>
-                                    </p:anim>
-                                    <p:anim calcmode="lin" valueType="num">
-                                      <p:cBhvr>
-                                        <p:cTn id="16" dur="1000" fill="hold"/>
-                                        <p:tgtEl>
-                                          <p:spTgt spid="3">
-                                            <p:txEl>
-                                              <p:pRg st="1" end="1"/>
-                                            </p:txEl>
-                                          </p:spTgt>
-                                        </p:tgtEl>
-                                        <p:attrNameLst>
-                                          <p:attrName>ppt_h</p:attrName>
-                                        </p:attrNameLst>
-                                      </p:cBhvr>
-                                      <p:tavLst>
-                                        <p:tav tm="0">
-                                          <p:val>
-                                            <p:fltVal val="0"/>
-                                          </p:val>
-                                        </p:tav>
-                                        <p:tav tm="100000">
-                                          <p:val>
-                                            <p:strVal val="#ppt_h"/>
-                                          </p:val>
-                                        </p:tav>
-                                      </p:tavLst>
-                                    </p:anim>
-                                    <p:anim calcmode="lin" valueType="num">
-                                      <p:cBhvr>
-                                        <p:cTn id="17" dur="1000" fill="hold"/>
-                                        <p:tgtEl>
-                                          <p:spTgt spid="3">
-                                            <p:txEl>
-                                              <p:pRg st="1" end="1"/>
-                                            </p:txEl>
-                                          </p:spTgt>
-                                        </p:tgtEl>
-                                        <p:attrNameLst>
-                                          <p:attrName>style.rotation</p:attrName>
-                                        </p:attrNameLst>
-                                      </p:cBhvr>
-                                      <p:tavLst>
-                                        <p:tav tm="0">
-                                          <p:val>
-                                            <p:fltVal val="90"/>
-                                          </p:val>
-                                        </p:tav>
-                                        <p:tav tm="100000">
-                                          <p:val>
-                                            <p:fltVal val="0"/>
-                                          </p:val>
-                                        </p:tav>
-                                      </p:tavLst>
-                                    </p:anim>
-                                    <p:animEffect transition="in" filter="fade">
-                                      <p:cBhvr>
-                                        <p:cTn id="18" dur="1000"/>
-                                        <p:tgtEl>
-                                          <p:spTgt spid="3">
-                                            <p:txEl>
-                                              <p:pRg st="1" end="1"/>
-                                            </p:txEl>
-                                          </p:spTgt>
-                                        </p:tgtEl>
-                                      </p:cBhvr>
-                                    </p:animEffect>
                                   </p:childTnLst>
                                 </p:cTn>
                               </p:par>
                               <p:par>
-                                <p:cTn id="19" presetID="31" presetClass="entr" presetSubtype="0" fill="hold" grpId="0" nodeType="withEffect">
+                                <p:cTn id="11" presetID="1" presetClass="entr" presetSubtype="0" fill="hold" grpId="0" nodeType="withEffect">
                                   <p:stCondLst>
                                     <p:cond delay="0"/>
                                   </p:stCondLst>
                                   <p:childTnLst>
                                     <p:set>
                                       <p:cBhvr>
-                                        <p:cTn id="20" dur="1" fill="hold">
+                                        <p:cTn id="12" dur="1" fill="hold">
                                           <p:stCondLst>
                                             <p:cond delay="0"/>
                                           </p:stCondLst>
@@ -4163,99 +3998,6 @@
                                         <p:strVal val="visible"/>
                                       </p:to>
                                     </p:set>
-                                    <p:anim calcmode="lin" valueType="num">
-                                      <p:cBhvr>
-                                        <p:cTn id="21" dur="1000" fill="hold"/>
-                                        <p:tgtEl>
-                                          <p:spTgt spid="3">
-                                            <p:txEl>
-                                              <p:pRg st="2" end="2"/>
-                                            </p:txEl>
-                                          </p:spTgt>
-                                        </p:tgtEl>
-                                        <p:attrNameLst>
-                                          <p:attrName>ppt_w</p:attrName>
-                                        </p:attrNameLst>
-                                      </p:cBhvr>
-                                      <p:tavLst>
-                                        <p:tav tm="0">
-                                          <p:val>
-                                            <p:fltVal val="0"/>
-                                          </p:val>
-                                        </p:tav>
-                                        <p:tav tm="100000">
-                                          <p:val>
-                                            <p:strVal val="#ppt_w"/>
-                                          </p:val>
-                                        </p:tav>
-                                      </p:tavLst>
-                                    </p:anim>
-                                    <p:anim calcmode="lin" valueType="num">
-                                      <p:cBhvr>
-                                        <p:cTn id="22" dur="1000" fill="hold"/>
-                                        <p:tgtEl>
-                                          <p:spTgt spid="3">
-                                            <p:txEl>
-                                              <p:pRg st="2" end="2"/>
-                                            </p:txEl>
-                                          </p:spTgt>
-                                        </p:tgtEl>
-                                        <p:attrNameLst>
-                                          <p:attrName>ppt_h</p:attrName>
-                                        </p:attrNameLst>
-                                      </p:cBhvr>
-                                      <p:tavLst>
-                                        <p:tav tm="0">
-                                          <p:val>
-                                            <p:fltVal val="0"/>
-                                          </p:val>
-                                        </p:tav>
-                                        <p:tav tm="100000">
-                                          <p:val>
-                                            <p:strVal val="#ppt_h"/>
-                                          </p:val>
-                                        </p:tav>
-                                      </p:tavLst>
-                                    </p:anim>
-                                    <p:anim calcmode="lin" valueType="num">
-                                      <p:cBhvr>
-                                        <p:cTn id="23" dur="1000" fill="hold"/>
-                                        <p:tgtEl>
-                                          <p:spTgt spid="3">
-                                            <p:txEl>
-                                              <p:pRg st="2" end="2"/>
-                                            </p:txEl>
-                                          </p:spTgt>
-                                        </p:tgtEl>
-                                        <p:attrNameLst>
-                                          <p:attrName>style.rotation</p:attrName>
-                                        </p:attrNameLst>
-                                      </p:cBhvr>
-                                      <p:tavLst>
-                                        <p:tav tm="0">
-                                          <p:val>
-                                            <p:fltVal val="90"/>
-                                          </p:val>
-                                        </p:tav>
-                                        <p:tav tm="100000">
-                                          <p:val>
-                                            <p:fltVal val="0"/>
-                                          </p:val>
-                                        </p:tav>
-                                      </p:tavLst>
-                                    </p:anim>
-                                    <p:animEffect transition="in" filter="fade">
-                                      <p:cBhvr>
-                                        <p:cTn id="24" dur="1000"/>
-                                        <p:tgtEl>
-                                          <p:spTgt spid="3">
-                                            <p:txEl>
-                                              <p:pRg st="2" end="2"/>
-                                            </p:txEl>
-                                          </p:spTgt>
-                                        </p:tgtEl>
-                                      </p:cBhvr>
-                                    </p:animEffect>
                                   </p:childTnLst>
                                 </p:cTn>
                               </p:par>
@@ -4315,7 +4057,7 @@
           <p:cNvPr id="2" name="Title 1">
             <a:extLst>
               <a:ext uri="{FF2B5EF4-FFF2-40B4-BE49-F238E27FC236}">
-                <a16:creationId xmlns:a16="http://schemas.microsoft.com/office/drawing/2014/main" id="{29B8A4DB-8E0A-4652-9E51-B19A9D407250}"/>
+                <a16:creationId xmlns:a16="http://schemas.microsoft.com/office/drawing/2014/main" id="{AE3A5FE8-28EB-4C4F-8186-E08714EA2BC2}"/>
               </a:ext>
             </a:extLst>
           </p:cNvPr>
@@ -4333,7 +4075,7 @@
           <a:p>
             <a:r>
               <a:rPr lang="en-US" dirty="0"/>
-              <a:t>Last week’s grade</a:t>
+              <a:t>Misc. (didn’t fit anywhere else)</a:t>
             </a:r>
           </a:p>
         </p:txBody>
@@ -4343,7 +4085,7 @@
           <p:cNvPr id="3" name="Content Placeholder 2">
             <a:extLst>
               <a:ext uri="{FF2B5EF4-FFF2-40B4-BE49-F238E27FC236}">
-                <a16:creationId xmlns:a16="http://schemas.microsoft.com/office/drawing/2014/main" id="{D04F5CA3-6BD2-4240-8D62-4A091D42A5F1}"/>
+                <a16:creationId xmlns:a16="http://schemas.microsoft.com/office/drawing/2014/main" id="{76F30793-887E-4830-B01D-489F43093010}"/>
               </a:ext>
             </a:extLst>
           </p:cNvPr>
@@ -4361,36 +4103,68 @@
           <a:p>
             <a:r>
               <a:rPr lang="en-US" dirty="0"/>
-              <a:t>Grading will be late</a:t>
+              <a:t>I understand I’ve been a bit of a jerk this year</a:t>
             </a:r>
           </a:p>
           <a:p>
             <a:pPr lvl="1"/>
             <a:r>
               <a:rPr lang="en-US" dirty="0"/>
-              <a:t>It’s a lot to grade…</a:t>
-            </a:r>
-          </a:p>
-          <a:p>
+              <a:t>Lost privileges: </a:t>
+            </a:r>
+            <a:r>
+              <a:rPr lang="en-US" dirty="0" err="1"/>
+              <a:t>Earpods</a:t>
+            </a:r>
             <a:r>
               <a:rPr lang="en-US" dirty="0"/>
-              <a:t>Old DocPacs will be prioritized</a:t>
+              <a:t>, Eating in Classroom, Backgrounds</a:t>
             </a:r>
           </a:p>
           <a:p>
             <a:r>
               <a:rPr lang="en-US" dirty="0"/>
-              <a:t>Mar24 is the end of the marking period</a:t>
-            </a:r>
-          </a:p>
-          <a:p>
-            <a:r>
-              <a:rPr lang="en-US" dirty="0" err="1"/>
-              <a:t>Pogs</a:t>
-            </a:r>
+              <a:t>This is because the punchbowl has been pooped in</a:t>
+            </a:r>
+          </a:p>
+          <a:p>
+            <a:pPr lvl="1"/>
             <a:r>
               <a:rPr lang="en-US" dirty="0"/>
-              <a:t> distributed ASAP</a:t>
+              <a:t>A few students ruined it for the many who deserve those privileges</a:t>
+            </a:r>
+          </a:p>
+          <a:p>
+            <a:r>
+              <a:rPr lang="en-US" dirty="0"/>
+              <a:t>We are working on solutions for this</a:t>
+            </a:r>
+          </a:p>
+          <a:p>
+            <a:pPr lvl="1"/>
+            <a:r>
+              <a:rPr lang="en-US" dirty="0"/>
+              <a:t>Punch-bowel poop filter?</a:t>
+            </a:r>
+          </a:p>
+          <a:p>
+            <a:pPr lvl="1"/>
+            <a:r>
+              <a:rPr lang="en-US" dirty="0"/>
+              <a:t>Harder to add new systems than to take parts of systems away</a:t>
+            </a:r>
+          </a:p>
+          <a:p>
+            <a:r>
+              <a:rPr lang="en-US" dirty="0"/>
+              <a:t>Remember DocPac information is critical to making changes</a:t>
+            </a:r>
+          </a:p>
+          <a:p>
+            <a:pPr lvl="1"/>
+            <a:r>
+              <a:rPr lang="en-US" dirty="0"/>
+              <a:t>You’ve written things like “Rewards Brainstorm” that are being reviewed</a:t>
             </a:r>
           </a:p>
         </p:txBody>
@@ -4398,13 +4172,397 @@
     </p:spTree>
     <p:extLst>
       <p:ext uri="{BB962C8B-B14F-4D97-AF65-F5344CB8AC3E}">
-        <p14:creationId xmlns:p14="http://schemas.microsoft.com/office/powerpoint/2010/main" val="1788829655"/>
+        <p14:creationId xmlns:p14="http://schemas.microsoft.com/office/powerpoint/2010/main" val="210205997"/>
       </p:ext>
     </p:extLst>
   </p:cSld>
   <p:clrMapOvr>
     <a:masterClrMapping/>
   </p:clrMapOvr>
+  <p:timing>
+    <p:tnLst>
+      <p:par>
+        <p:cTn id="1" dur="indefinite" restart="never" nodeType="tmRoot">
+          <p:childTnLst>
+            <p:seq concurrent="1" nextAc="seek">
+              <p:cTn id="2" dur="indefinite" nodeType="mainSeq">
+                <p:childTnLst>
+                  <p:par>
+                    <p:cTn id="3" fill="hold">
+                      <p:stCondLst>
+                        <p:cond delay="indefinite"/>
+                      </p:stCondLst>
+                      <p:childTnLst>
+                        <p:par>
+                          <p:cTn id="4" fill="hold">
+                            <p:stCondLst>
+                              <p:cond delay="0"/>
+                            </p:stCondLst>
+                            <p:childTnLst>
+                              <p:par>
+                                <p:cTn id="5" presetID="1" presetClass="entr" presetSubtype="0" fill="hold" grpId="0" nodeType="clickEffect">
+                                  <p:stCondLst>
+                                    <p:cond delay="0"/>
+                                  </p:stCondLst>
+                                  <p:childTnLst>
+                                    <p:set>
+                                      <p:cBhvr>
+                                        <p:cTn id="6" dur="1" fill="hold">
+                                          <p:stCondLst>
+                                            <p:cond delay="0"/>
+                                          </p:stCondLst>
+                                        </p:cTn>
+                                        <p:tgtEl>
+                                          <p:spTgt spid="3">
+                                            <p:txEl>
+                                              <p:pRg st="0" end="0"/>
+                                            </p:txEl>
+                                          </p:spTgt>
+                                        </p:tgtEl>
+                                        <p:attrNameLst>
+                                          <p:attrName>style.visibility</p:attrName>
+                                        </p:attrNameLst>
+                                      </p:cBhvr>
+                                      <p:to>
+                                        <p:strVal val="visible"/>
+                                      </p:to>
+                                    </p:set>
+                                  </p:childTnLst>
+                                </p:cTn>
+                              </p:par>
+                              <p:par>
+                                <p:cTn id="7" presetID="1" presetClass="entr" presetSubtype="0" fill="hold" grpId="0" nodeType="withEffect">
+                                  <p:stCondLst>
+                                    <p:cond delay="0"/>
+                                  </p:stCondLst>
+                                  <p:childTnLst>
+                                    <p:set>
+                                      <p:cBhvr>
+                                        <p:cTn id="8" dur="1" fill="hold">
+                                          <p:stCondLst>
+                                            <p:cond delay="0"/>
+                                          </p:stCondLst>
+                                        </p:cTn>
+                                        <p:tgtEl>
+                                          <p:spTgt spid="3">
+                                            <p:txEl>
+                                              <p:pRg st="1" end="1"/>
+                                            </p:txEl>
+                                          </p:spTgt>
+                                        </p:tgtEl>
+                                        <p:attrNameLst>
+                                          <p:attrName>style.visibility</p:attrName>
+                                        </p:attrNameLst>
+                                      </p:cBhvr>
+                                      <p:to>
+                                        <p:strVal val="visible"/>
+                                      </p:to>
+                                    </p:set>
+                                  </p:childTnLst>
+                                </p:cTn>
+                              </p:par>
+                            </p:childTnLst>
+                          </p:cTn>
+                        </p:par>
+                      </p:childTnLst>
+                    </p:cTn>
+                  </p:par>
+                  <p:par>
+                    <p:cTn id="9" fill="hold">
+                      <p:stCondLst>
+                        <p:cond delay="indefinite"/>
+                      </p:stCondLst>
+                      <p:childTnLst>
+                        <p:par>
+                          <p:cTn id="10" fill="hold">
+                            <p:stCondLst>
+                              <p:cond delay="0"/>
+                            </p:stCondLst>
+                            <p:childTnLst>
+                              <p:par>
+                                <p:cTn id="11" presetID="1" presetClass="entr" presetSubtype="0" fill="hold" grpId="0" nodeType="clickEffect">
+                                  <p:stCondLst>
+                                    <p:cond delay="0"/>
+                                  </p:stCondLst>
+                                  <p:childTnLst>
+                                    <p:set>
+                                      <p:cBhvr>
+                                        <p:cTn id="12" dur="1" fill="hold">
+                                          <p:stCondLst>
+                                            <p:cond delay="0"/>
+                                          </p:stCondLst>
+                                        </p:cTn>
+                                        <p:tgtEl>
+                                          <p:spTgt spid="3">
+                                            <p:txEl>
+                                              <p:pRg st="2" end="2"/>
+                                            </p:txEl>
+                                          </p:spTgt>
+                                        </p:tgtEl>
+                                        <p:attrNameLst>
+                                          <p:attrName>style.visibility</p:attrName>
+                                        </p:attrNameLst>
+                                      </p:cBhvr>
+                                      <p:to>
+                                        <p:strVal val="visible"/>
+                                      </p:to>
+                                    </p:set>
+                                  </p:childTnLst>
+                                </p:cTn>
+                              </p:par>
+                              <p:par>
+                                <p:cTn id="13" presetID="1" presetClass="entr" presetSubtype="0" fill="hold" grpId="0" nodeType="withEffect">
+                                  <p:stCondLst>
+                                    <p:cond delay="0"/>
+                                  </p:stCondLst>
+                                  <p:childTnLst>
+                                    <p:set>
+                                      <p:cBhvr>
+                                        <p:cTn id="14" dur="1" fill="hold">
+                                          <p:stCondLst>
+                                            <p:cond delay="0"/>
+                                          </p:stCondLst>
+                                        </p:cTn>
+                                        <p:tgtEl>
+                                          <p:spTgt spid="3">
+                                            <p:txEl>
+                                              <p:pRg st="3" end="3"/>
+                                            </p:txEl>
+                                          </p:spTgt>
+                                        </p:tgtEl>
+                                        <p:attrNameLst>
+                                          <p:attrName>style.visibility</p:attrName>
+                                        </p:attrNameLst>
+                                      </p:cBhvr>
+                                      <p:to>
+                                        <p:strVal val="visible"/>
+                                      </p:to>
+                                    </p:set>
+                                  </p:childTnLst>
+                                </p:cTn>
+                              </p:par>
+                            </p:childTnLst>
+                          </p:cTn>
+                        </p:par>
+                      </p:childTnLst>
+                    </p:cTn>
+                  </p:par>
+                  <p:par>
+                    <p:cTn id="15" fill="hold">
+                      <p:stCondLst>
+                        <p:cond delay="indefinite"/>
+                      </p:stCondLst>
+                      <p:childTnLst>
+                        <p:par>
+                          <p:cTn id="16" fill="hold">
+                            <p:stCondLst>
+                              <p:cond delay="0"/>
+                            </p:stCondLst>
+                            <p:childTnLst>
+                              <p:par>
+                                <p:cTn id="17" presetID="1" presetClass="entr" presetSubtype="0" fill="hold" grpId="0" nodeType="clickEffect">
+                                  <p:stCondLst>
+                                    <p:cond delay="0"/>
+                                  </p:stCondLst>
+                                  <p:childTnLst>
+                                    <p:set>
+                                      <p:cBhvr>
+                                        <p:cTn id="18" dur="1" fill="hold">
+                                          <p:stCondLst>
+                                            <p:cond delay="0"/>
+                                          </p:stCondLst>
+                                        </p:cTn>
+                                        <p:tgtEl>
+                                          <p:spTgt spid="3">
+                                            <p:txEl>
+                                              <p:pRg st="4" end="4"/>
+                                            </p:txEl>
+                                          </p:spTgt>
+                                        </p:tgtEl>
+                                        <p:attrNameLst>
+                                          <p:attrName>style.visibility</p:attrName>
+                                        </p:attrNameLst>
+                                      </p:cBhvr>
+                                      <p:to>
+                                        <p:strVal val="visible"/>
+                                      </p:to>
+                                    </p:set>
+                                  </p:childTnLst>
+                                </p:cTn>
+                              </p:par>
+                              <p:par>
+                                <p:cTn id="19" presetID="1" presetClass="entr" presetSubtype="0" fill="hold" grpId="0" nodeType="withEffect">
+                                  <p:stCondLst>
+                                    <p:cond delay="0"/>
+                                  </p:stCondLst>
+                                  <p:childTnLst>
+                                    <p:set>
+                                      <p:cBhvr>
+                                        <p:cTn id="20" dur="1" fill="hold">
+                                          <p:stCondLst>
+                                            <p:cond delay="0"/>
+                                          </p:stCondLst>
+                                        </p:cTn>
+                                        <p:tgtEl>
+                                          <p:spTgt spid="3">
+                                            <p:txEl>
+                                              <p:pRg st="5" end="5"/>
+                                            </p:txEl>
+                                          </p:spTgt>
+                                        </p:tgtEl>
+                                        <p:attrNameLst>
+                                          <p:attrName>style.visibility</p:attrName>
+                                        </p:attrNameLst>
+                                      </p:cBhvr>
+                                      <p:to>
+                                        <p:strVal val="visible"/>
+                                      </p:to>
+                                    </p:set>
+                                  </p:childTnLst>
+                                </p:cTn>
+                              </p:par>
+                              <p:par>
+                                <p:cTn id="21" presetID="1" presetClass="entr" presetSubtype="0" fill="hold" grpId="0" nodeType="withEffect">
+                                  <p:stCondLst>
+                                    <p:cond delay="0"/>
+                                  </p:stCondLst>
+                                  <p:childTnLst>
+                                    <p:set>
+                                      <p:cBhvr>
+                                        <p:cTn id="22" dur="1" fill="hold">
+                                          <p:stCondLst>
+                                            <p:cond delay="0"/>
+                                          </p:stCondLst>
+                                        </p:cTn>
+                                        <p:tgtEl>
+                                          <p:spTgt spid="3">
+                                            <p:txEl>
+                                              <p:pRg st="6" end="6"/>
+                                            </p:txEl>
+                                          </p:spTgt>
+                                        </p:tgtEl>
+                                        <p:attrNameLst>
+                                          <p:attrName>style.visibility</p:attrName>
+                                        </p:attrNameLst>
+                                      </p:cBhvr>
+                                      <p:to>
+                                        <p:strVal val="visible"/>
+                                      </p:to>
+                                    </p:set>
+                                  </p:childTnLst>
+                                </p:cTn>
+                              </p:par>
+                            </p:childTnLst>
+                          </p:cTn>
+                        </p:par>
+                      </p:childTnLst>
+                    </p:cTn>
+                  </p:par>
+                  <p:par>
+                    <p:cTn id="23" fill="hold">
+                      <p:stCondLst>
+                        <p:cond delay="indefinite"/>
+                      </p:stCondLst>
+                      <p:childTnLst>
+                        <p:par>
+                          <p:cTn id="24" fill="hold">
+                            <p:stCondLst>
+                              <p:cond delay="0"/>
+                            </p:stCondLst>
+                            <p:childTnLst>
+                              <p:par>
+                                <p:cTn id="25" presetID="1" presetClass="entr" presetSubtype="0" fill="hold" grpId="0" nodeType="clickEffect">
+                                  <p:stCondLst>
+                                    <p:cond delay="0"/>
+                                  </p:stCondLst>
+                                  <p:childTnLst>
+                                    <p:set>
+                                      <p:cBhvr>
+                                        <p:cTn id="26" dur="1" fill="hold">
+                                          <p:stCondLst>
+                                            <p:cond delay="0"/>
+                                          </p:stCondLst>
+                                        </p:cTn>
+                                        <p:tgtEl>
+                                          <p:spTgt spid="3">
+                                            <p:txEl>
+                                              <p:pRg st="7" end="7"/>
+                                            </p:txEl>
+                                          </p:spTgt>
+                                        </p:tgtEl>
+                                        <p:attrNameLst>
+                                          <p:attrName>style.visibility</p:attrName>
+                                        </p:attrNameLst>
+                                      </p:cBhvr>
+                                      <p:to>
+                                        <p:strVal val="visible"/>
+                                      </p:to>
+                                    </p:set>
+                                  </p:childTnLst>
+                                </p:cTn>
+                              </p:par>
+                              <p:par>
+                                <p:cTn id="27" presetID="1" presetClass="entr" presetSubtype="0" fill="hold" grpId="0" nodeType="withEffect">
+                                  <p:stCondLst>
+                                    <p:cond delay="0"/>
+                                  </p:stCondLst>
+                                  <p:childTnLst>
+                                    <p:set>
+                                      <p:cBhvr>
+                                        <p:cTn id="28" dur="1" fill="hold">
+                                          <p:stCondLst>
+                                            <p:cond delay="0"/>
+                                          </p:stCondLst>
+                                        </p:cTn>
+                                        <p:tgtEl>
+                                          <p:spTgt spid="3">
+                                            <p:txEl>
+                                              <p:pRg st="8" end="8"/>
+                                            </p:txEl>
+                                          </p:spTgt>
+                                        </p:tgtEl>
+                                        <p:attrNameLst>
+                                          <p:attrName>style.visibility</p:attrName>
+                                        </p:attrNameLst>
+                                      </p:cBhvr>
+                                      <p:to>
+                                        <p:strVal val="visible"/>
+                                      </p:to>
+                                    </p:set>
+                                  </p:childTnLst>
+                                </p:cTn>
+                              </p:par>
+                            </p:childTnLst>
+                          </p:cTn>
+                        </p:par>
+                      </p:childTnLst>
+                    </p:cTn>
+                  </p:par>
+                </p:childTnLst>
+              </p:cTn>
+              <p:prevCondLst>
+                <p:cond evt="onPrev" delay="0">
+                  <p:tgtEl>
+                    <p:sldTgt/>
+                  </p:tgtEl>
+                </p:cond>
+              </p:prevCondLst>
+              <p:nextCondLst>
+                <p:cond evt="onNext" delay="0">
+                  <p:tgtEl>
+                    <p:sldTgt/>
+                  </p:tgtEl>
+                </p:cond>
+              </p:nextCondLst>
+            </p:seq>
+          </p:childTnLst>
+        </p:cTn>
+      </p:par>
+    </p:tnLst>
+    <p:bldLst>
+      <p:bldP spid="3" grpId="0" build="p"/>
+    </p:bldLst>
+  </p:timing>
 </p:sld>
 </file>
 
@@ -4430,7 +4588,7 @@
           <p:cNvPr id="2" name="Title 1">
             <a:extLst>
               <a:ext uri="{FF2B5EF4-FFF2-40B4-BE49-F238E27FC236}">
-                <a16:creationId xmlns:a16="http://schemas.microsoft.com/office/drawing/2014/main" id="{63923A96-D693-4FE5-A3A5-E22E304238CF}"/>
+                <a16:creationId xmlns:a16="http://schemas.microsoft.com/office/drawing/2014/main" id="{29B8A4DB-8E0A-4652-9E51-B19A9D407250}"/>
               </a:ext>
             </a:extLst>
           </p:cNvPr>
@@ -4448,7 +4606,7 @@
           <a:p>
             <a:r>
               <a:rPr lang="en-US" dirty="0"/>
-              <a:t>Last Week’s Assignments</a:t>
+              <a:t>Last week’s grade</a:t>
             </a:r>
           </a:p>
         </p:txBody>
@@ -4458,7 +4616,7 @@
           <p:cNvPr id="3" name="Content Placeholder 2">
             <a:extLst>
               <a:ext uri="{FF2B5EF4-FFF2-40B4-BE49-F238E27FC236}">
-                <a16:creationId xmlns:a16="http://schemas.microsoft.com/office/drawing/2014/main" id="{3872EBCD-8B37-4EAB-BDB2-C18E6E509C5F}"/>
+                <a16:creationId xmlns:a16="http://schemas.microsoft.com/office/drawing/2014/main" id="{D04F5CA3-6BD2-4240-8D62-4A091D42A5F1}"/>
               </a:ext>
             </a:extLst>
           </p:cNvPr>
@@ -4471,81 +4629,315 @@
         </p:nvSpPr>
         <p:spPr/>
         <p:txBody>
-          <a:bodyPr>
-            <a:normAutofit/>
-          </a:bodyPr>
+          <a:bodyPr/>
           <a:lstStyle/>
           <a:p>
             <a:r>
               <a:rPr lang="en-US" dirty="0"/>
-              <a:t>First glance, everyone worked hard, but attention to detail is lacking</a:t>
+              <a:t>Grading will be late</a:t>
             </a:r>
           </a:p>
           <a:p>
             <a:pPr lvl="1"/>
             <a:r>
               <a:rPr lang="en-US" dirty="0"/>
-              <a:t>Official Documentation. Avoid jokes!</a:t>
+              <a:t>It’s a lot to grade…</a:t>
             </a:r>
           </a:p>
           <a:p>
             <a:r>
               <a:rPr lang="en-US" dirty="0"/>
-              <a:t>Who looked at old DocPacs to match the formatting?</a:t>
-            </a:r>
-          </a:p>
-          <a:p>
-            <a:pPr lvl="1"/>
+              <a:t>Old DocPacs will be prioritized</a:t>
+            </a:r>
+          </a:p>
+          <a:p>
             <a:r>
               <a:rPr lang="en-US" dirty="0"/>
-              <a:t>[ “Yes”,  “I got creative”,  “I didn’t look” ]</a:t>
-            </a:r>
-          </a:p>
-          <a:p>
+              <a:t>Mar24 is the end of the marking period</a:t>
+            </a:r>
+          </a:p>
+          <a:p>
+            <a:r>
+              <a:rPr lang="en-US" dirty="0" err="1"/>
+              <a:t>Pogs</a:t>
+            </a:r>
             <a:r>
               <a:rPr lang="en-US" dirty="0"/>
-              <a:t>Who actually practiced their presentation at home?</a:t>
-            </a:r>
-          </a:p>
-          <a:p>
-            <a:r>
-              <a:rPr lang="en-US" dirty="0"/>
-              <a:t>Who has different opinion about the DocPacs now?</a:t>
-            </a:r>
-          </a:p>
-          <a:p>
-            <a:r>
-              <a:rPr lang="en-US" dirty="0"/>
-              <a:t>Who has a different opinion about my job now?</a:t>
-            </a:r>
-          </a:p>
-          <a:p>
-            <a:r>
-              <a:rPr lang="en-US" dirty="0"/>
-              <a:t>Who wants to be a teacher?</a:t>
-            </a:r>
-          </a:p>
-          <a:p>
-            <a:r>
-              <a:rPr lang="en-US" dirty="0"/>
-              <a:t>[insert questions here]</a:t>
-            </a:r>
-          </a:p>
-          <a:p>
-            <a:endParaRPr lang="en-US" dirty="0"/>
+              <a:t> distributed ASAP</a:t>
+            </a:r>
           </a:p>
         </p:txBody>
       </p:sp>
     </p:spTree>
     <p:extLst>
       <p:ext uri="{BB962C8B-B14F-4D97-AF65-F5344CB8AC3E}">
-        <p14:creationId xmlns:p14="http://schemas.microsoft.com/office/powerpoint/2010/main" val="1828171035"/>
+        <p14:creationId xmlns:p14="http://schemas.microsoft.com/office/powerpoint/2010/main" val="1788829655"/>
       </p:ext>
     </p:extLst>
   </p:cSld>
   <p:clrMapOvr>
     <a:masterClrMapping/>
   </p:clrMapOvr>
+  <p:timing>
+    <p:tnLst>
+      <p:par>
+        <p:cTn id="1" dur="indefinite" restart="never" nodeType="tmRoot">
+          <p:childTnLst>
+            <p:seq concurrent="1" nextAc="seek">
+              <p:cTn id="2" dur="indefinite" nodeType="mainSeq">
+                <p:childTnLst>
+                  <p:par>
+                    <p:cTn id="3" fill="hold">
+                      <p:stCondLst>
+                        <p:cond delay="indefinite"/>
+                      </p:stCondLst>
+                      <p:childTnLst>
+                        <p:par>
+                          <p:cTn id="4" fill="hold">
+                            <p:stCondLst>
+                              <p:cond delay="0"/>
+                            </p:stCondLst>
+                            <p:childTnLst>
+                              <p:par>
+                                <p:cTn id="5" presetID="1" presetClass="entr" presetSubtype="0" fill="hold" grpId="0" nodeType="clickEffect">
+                                  <p:stCondLst>
+                                    <p:cond delay="0"/>
+                                  </p:stCondLst>
+                                  <p:childTnLst>
+                                    <p:set>
+                                      <p:cBhvr>
+                                        <p:cTn id="6" dur="1" fill="hold">
+                                          <p:stCondLst>
+                                            <p:cond delay="0"/>
+                                          </p:stCondLst>
+                                        </p:cTn>
+                                        <p:tgtEl>
+                                          <p:spTgt spid="3">
+                                            <p:txEl>
+                                              <p:pRg st="0" end="0"/>
+                                            </p:txEl>
+                                          </p:spTgt>
+                                        </p:tgtEl>
+                                        <p:attrNameLst>
+                                          <p:attrName>style.visibility</p:attrName>
+                                        </p:attrNameLst>
+                                      </p:cBhvr>
+                                      <p:to>
+                                        <p:strVal val="visible"/>
+                                      </p:to>
+                                    </p:set>
+                                  </p:childTnLst>
+                                </p:cTn>
+                              </p:par>
+                              <p:par>
+                                <p:cTn id="7" presetID="1" presetClass="entr" presetSubtype="0" fill="hold" grpId="0" nodeType="withEffect">
+                                  <p:stCondLst>
+                                    <p:cond delay="0"/>
+                                  </p:stCondLst>
+                                  <p:childTnLst>
+                                    <p:set>
+                                      <p:cBhvr>
+                                        <p:cTn id="8" dur="1" fill="hold">
+                                          <p:stCondLst>
+                                            <p:cond delay="0"/>
+                                          </p:stCondLst>
+                                        </p:cTn>
+                                        <p:tgtEl>
+                                          <p:spTgt spid="3">
+                                            <p:txEl>
+                                              <p:pRg st="1" end="1"/>
+                                            </p:txEl>
+                                          </p:spTgt>
+                                        </p:tgtEl>
+                                        <p:attrNameLst>
+                                          <p:attrName>style.visibility</p:attrName>
+                                        </p:attrNameLst>
+                                      </p:cBhvr>
+                                      <p:to>
+                                        <p:strVal val="visible"/>
+                                      </p:to>
+                                    </p:set>
+                                  </p:childTnLst>
+                                </p:cTn>
+                              </p:par>
+                            </p:childTnLst>
+                          </p:cTn>
+                        </p:par>
+                      </p:childTnLst>
+                    </p:cTn>
+                  </p:par>
+                  <p:par>
+                    <p:cTn id="9" fill="hold">
+                      <p:stCondLst>
+                        <p:cond delay="indefinite"/>
+                      </p:stCondLst>
+                      <p:childTnLst>
+                        <p:par>
+                          <p:cTn id="10" fill="hold">
+                            <p:stCondLst>
+                              <p:cond delay="0"/>
+                            </p:stCondLst>
+                            <p:childTnLst>
+                              <p:par>
+                                <p:cTn id="11" presetID="1" presetClass="entr" presetSubtype="0" fill="hold" grpId="0" nodeType="clickEffect">
+                                  <p:stCondLst>
+                                    <p:cond delay="0"/>
+                                  </p:stCondLst>
+                                  <p:childTnLst>
+                                    <p:set>
+                                      <p:cBhvr>
+                                        <p:cTn id="12" dur="1" fill="hold">
+                                          <p:stCondLst>
+                                            <p:cond delay="0"/>
+                                          </p:stCondLst>
+                                        </p:cTn>
+                                        <p:tgtEl>
+                                          <p:spTgt spid="3">
+                                            <p:txEl>
+                                              <p:pRg st="2" end="2"/>
+                                            </p:txEl>
+                                          </p:spTgt>
+                                        </p:tgtEl>
+                                        <p:attrNameLst>
+                                          <p:attrName>style.visibility</p:attrName>
+                                        </p:attrNameLst>
+                                      </p:cBhvr>
+                                      <p:to>
+                                        <p:strVal val="visible"/>
+                                      </p:to>
+                                    </p:set>
+                                  </p:childTnLst>
+                                </p:cTn>
+                              </p:par>
+                            </p:childTnLst>
+                          </p:cTn>
+                        </p:par>
+                      </p:childTnLst>
+                    </p:cTn>
+                  </p:par>
+                  <p:par>
+                    <p:cTn id="13" fill="hold">
+                      <p:stCondLst>
+                        <p:cond delay="indefinite"/>
+                      </p:stCondLst>
+                      <p:childTnLst>
+                        <p:par>
+                          <p:cTn id="14" fill="hold">
+                            <p:stCondLst>
+                              <p:cond delay="0"/>
+                            </p:stCondLst>
+                            <p:childTnLst>
+                              <p:par>
+                                <p:cTn id="15" presetID="1" presetClass="entr" presetSubtype="0" fill="hold" grpId="0" nodeType="clickEffect">
+                                  <p:stCondLst>
+                                    <p:cond delay="0"/>
+                                  </p:stCondLst>
+                                  <p:childTnLst>
+                                    <p:set>
+                                      <p:cBhvr>
+                                        <p:cTn id="16" dur="1" fill="hold">
+                                          <p:stCondLst>
+                                            <p:cond delay="0"/>
+                                          </p:stCondLst>
+                                        </p:cTn>
+                                        <p:tgtEl>
+                                          <p:spTgt spid="3">
+                                            <p:txEl>
+                                              <p:pRg st="3" end="3"/>
+                                            </p:txEl>
+                                          </p:spTgt>
+                                        </p:tgtEl>
+                                        <p:attrNameLst>
+                                          <p:attrName>style.visibility</p:attrName>
+                                        </p:attrNameLst>
+                                      </p:cBhvr>
+                                      <p:to>
+                                        <p:strVal val="visible"/>
+                                      </p:to>
+                                    </p:set>
+                                  </p:childTnLst>
+                                </p:cTn>
+                              </p:par>
+                            </p:childTnLst>
+                          </p:cTn>
+                        </p:par>
+                      </p:childTnLst>
+                    </p:cTn>
+                  </p:par>
+                  <p:par>
+                    <p:cTn id="17" fill="hold">
+                      <p:stCondLst>
+                        <p:cond delay="indefinite"/>
+                      </p:stCondLst>
+                      <p:childTnLst>
+                        <p:par>
+                          <p:cTn id="18" fill="hold">
+                            <p:stCondLst>
+                              <p:cond delay="0"/>
+                            </p:stCondLst>
+                            <p:childTnLst>
+                              <p:par>
+                                <p:cTn id="19" presetID="1" presetClass="entr" presetSubtype="0" fill="hold" grpId="0" nodeType="clickEffect">
+                                  <p:stCondLst>
+                                    <p:cond delay="0"/>
+                                  </p:stCondLst>
+                                  <p:childTnLst>
+                                    <p:set>
+                                      <p:cBhvr>
+                                        <p:cTn id="20" dur="1" fill="hold">
+                                          <p:stCondLst>
+                                            <p:cond delay="0"/>
+                                          </p:stCondLst>
+                                        </p:cTn>
+                                        <p:tgtEl>
+                                          <p:spTgt spid="3">
+                                            <p:txEl>
+                                              <p:pRg st="4" end="4"/>
+                                            </p:txEl>
+                                          </p:spTgt>
+                                        </p:tgtEl>
+                                        <p:attrNameLst>
+                                          <p:attrName>style.visibility</p:attrName>
+                                        </p:attrNameLst>
+                                      </p:cBhvr>
+                                      <p:to>
+                                        <p:strVal val="visible"/>
+                                      </p:to>
+                                    </p:set>
+                                  </p:childTnLst>
+                                </p:cTn>
+                              </p:par>
+                            </p:childTnLst>
+                          </p:cTn>
+                        </p:par>
+                      </p:childTnLst>
+                    </p:cTn>
+                  </p:par>
+                </p:childTnLst>
+              </p:cTn>
+              <p:prevCondLst>
+                <p:cond evt="onPrev" delay="0">
+                  <p:tgtEl>
+                    <p:sldTgt/>
+                  </p:tgtEl>
+                </p:cond>
+              </p:prevCondLst>
+              <p:nextCondLst>
+                <p:cond evt="onNext" delay="0">
+                  <p:tgtEl>
+                    <p:sldTgt/>
+                  </p:tgtEl>
+                </p:cond>
+              </p:nextCondLst>
+            </p:seq>
+          </p:childTnLst>
+        </p:cTn>
+      </p:par>
+    </p:tnLst>
+    <p:bldLst>
+      <p:bldP spid="3" grpId="0" build="p"/>
+    </p:bldLst>
+  </p:timing>
 </p:sld>
 </file>
 
@@ -4571,6 +4963,585 @@
           <p:cNvPr id="2" name="Title 1">
             <a:extLst>
               <a:ext uri="{FF2B5EF4-FFF2-40B4-BE49-F238E27FC236}">
+                <a16:creationId xmlns:a16="http://schemas.microsoft.com/office/drawing/2014/main" id="{63923A96-D693-4FE5-A3A5-E22E304238CF}"/>
+              </a:ext>
+            </a:extLst>
+          </p:cNvPr>
+          <p:cNvSpPr>
+            <a:spLocks noGrp="1"/>
+          </p:cNvSpPr>
+          <p:nvPr>
+            <p:ph type="title"/>
+          </p:nvPr>
+        </p:nvSpPr>
+        <p:spPr/>
+        <p:txBody>
+          <a:bodyPr/>
+          <a:lstStyle/>
+          <a:p>
+            <a:r>
+              <a:rPr lang="en-US" dirty="0"/>
+              <a:t>Last Week’s Assignments</a:t>
+            </a:r>
+          </a:p>
+        </p:txBody>
+      </p:sp>
+      <p:sp>
+        <p:nvSpPr>
+          <p:cNvPr id="3" name="Content Placeholder 2">
+            <a:extLst>
+              <a:ext uri="{FF2B5EF4-FFF2-40B4-BE49-F238E27FC236}">
+                <a16:creationId xmlns:a16="http://schemas.microsoft.com/office/drawing/2014/main" id="{3872EBCD-8B37-4EAB-BDB2-C18E6E509C5F}"/>
+              </a:ext>
+            </a:extLst>
+          </p:cNvPr>
+          <p:cNvSpPr>
+            <a:spLocks noGrp="1"/>
+          </p:cNvSpPr>
+          <p:nvPr>
+            <p:ph idx="1"/>
+          </p:nvPr>
+        </p:nvSpPr>
+        <p:spPr/>
+        <p:txBody>
+          <a:bodyPr>
+            <a:normAutofit/>
+          </a:bodyPr>
+          <a:lstStyle/>
+          <a:p>
+            <a:r>
+              <a:rPr lang="en-US" dirty="0"/>
+              <a:t>First glance, everyone worked hard, but attention to detail is lacking</a:t>
+            </a:r>
+          </a:p>
+          <a:p>
+            <a:pPr lvl="1"/>
+            <a:r>
+              <a:rPr lang="en-US" dirty="0"/>
+              <a:t>Official Documentation. Avoid jokes!</a:t>
+            </a:r>
+          </a:p>
+          <a:p>
+            <a:r>
+              <a:rPr lang="en-US" dirty="0"/>
+              <a:t>Who looked at old DocPacs to match the formatting?</a:t>
+            </a:r>
+          </a:p>
+          <a:p>
+            <a:pPr lvl="1"/>
+            <a:r>
+              <a:rPr lang="en-US" dirty="0"/>
+              <a:t>[ “Yes”,  “I got creative”,  “I didn’t look” ]</a:t>
+            </a:r>
+          </a:p>
+          <a:p>
+            <a:r>
+              <a:rPr lang="en-US" dirty="0"/>
+              <a:t>Who actually practiced their presentation at home?</a:t>
+            </a:r>
+          </a:p>
+          <a:p>
+            <a:r>
+              <a:rPr lang="en-US" dirty="0"/>
+              <a:t>Who has different opinion about the DocPacs now?</a:t>
+            </a:r>
+          </a:p>
+          <a:p>
+            <a:r>
+              <a:rPr lang="en-US" dirty="0"/>
+              <a:t>Who has a different opinion about my job now?</a:t>
+            </a:r>
+          </a:p>
+          <a:p>
+            <a:r>
+              <a:rPr lang="en-US" dirty="0"/>
+              <a:t>Who wants to be a teacher?</a:t>
+            </a:r>
+          </a:p>
+          <a:p>
+            <a:r>
+              <a:rPr lang="en-US" dirty="0"/>
+              <a:t>[insert questions here]</a:t>
+            </a:r>
+          </a:p>
+          <a:p>
+            <a:endParaRPr lang="en-US" dirty="0"/>
+          </a:p>
+        </p:txBody>
+      </p:sp>
+    </p:spTree>
+    <p:extLst>
+      <p:ext uri="{BB962C8B-B14F-4D97-AF65-F5344CB8AC3E}">
+        <p14:creationId xmlns:p14="http://schemas.microsoft.com/office/powerpoint/2010/main" val="1828171035"/>
+      </p:ext>
+    </p:extLst>
+  </p:cSld>
+  <p:clrMapOvr>
+    <a:masterClrMapping/>
+  </p:clrMapOvr>
+  <p:timing>
+    <p:tnLst>
+      <p:par>
+        <p:cTn id="1" dur="indefinite" restart="never" nodeType="tmRoot">
+          <p:childTnLst>
+            <p:seq concurrent="1" nextAc="seek">
+              <p:cTn id="2" dur="indefinite" nodeType="mainSeq">
+                <p:childTnLst>
+                  <p:par>
+                    <p:cTn id="3" fill="hold">
+                      <p:stCondLst>
+                        <p:cond delay="indefinite"/>
+                      </p:stCondLst>
+                      <p:childTnLst>
+                        <p:par>
+                          <p:cTn id="4" fill="hold">
+                            <p:stCondLst>
+                              <p:cond delay="0"/>
+                            </p:stCondLst>
+                            <p:childTnLst>
+                              <p:par>
+                                <p:cTn id="5" presetID="1" presetClass="entr" presetSubtype="0" fill="hold" grpId="0" nodeType="clickEffect">
+                                  <p:stCondLst>
+                                    <p:cond delay="0"/>
+                                  </p:stCondLst>
+                                  <p:childTnLst>
+                                    <p:set>
+                                      <p:cBhvr>
+                                        <p:cTn id="6" dur="1" fill="hold">
+                                          <p:stCondLst>
+                                            <p:cond delay="0"/>
+                                          </p:stCondLst>
+                                        </p:cTn>
+                                        <p:tgtEl>
+                                          <p:spTgt spid="3">
+                                            <p:txEl>
+                                              <p:pRg st="0" end="0"/>
+                                            </p:txEl>
+                                          </p:spTgt>
+                                        </p:tgtEl>
+                                        <p:attrNameLst>
+                                          <p:attrName>style.visibility</p:attrName>
+                                        </p:attrNameLst>
+                                      </p:cBhvr>
+                                      <p:to>
+                                        <p:strVal val="visible"/>
+                                      </p:to>
+                                    </p:set>
+                                  </p:childTnLst>
+                                </p:cTn>
+                              </p:par>
+                              <p:par>
+                                <p:cTn id="7" presetID="1" presetClass="entr" presetSubtype="0" fill="hold" grpId="0" nodeType="withEffect">
+                                  <p:stCondLst>
+                                    <p:cond delay="0"/>
+                                  </p:stCondLst>
+                                  <p:childTnLst>
+                                    <p:set>
+                                      <p:cBhvr>
+                                        <p:cTn id="8" dur="1" fill="hold">
+                                          <p:stCondLst>
+                                            <p:cond delay="0"/>
+                                          </p:stCondLst>
+                                        </p:cTn>
+                                        <p:tgtEl>
+                                          <p:spTgt spid="3">
+                                            <p:txEl>
+                                              <p:pRg st="1" end="1"/>
+                                            </p:txEl>
+                                          </p:spTgt>
+                                        </p:tgtEl>
+                                        <p:attrNameLst>
+                                          <p:attrName>style.visibility</p:attrName>
+                                        </p:attrNameLst>
+                                      </p:cBhvr>
+                                      <p:to>
+                                        <p:strVal val="visible"/>
+                                      </p:to>
+                                    </p:set>
+                                  </p:childTnLst>
+                                </p:cTn>
+                              </p:par>
+                            </p:childTnLst>
+                          </p:cTn>
+                        </p:par>
+                      </p:childTnLst>
+                    </p:cTn>
+                  </p:par>
+                  <p:par>
+                    <p:cTn id="9" fill="hold">
+                      <p:stCondLst>
+                        <p:cond delay="indefinite"/>
+                      </p:stCondLst>
+                      <p:childTnLst>
+                        <p:par>
+                          <p:cTn id="10" fill="hold">
+                            <p:stCondLst>
+                              <p:cond delay="0"/>
+                            </p:stCondLst>
+                            <p:childTnLst>
+                              <p:par>
+                                <p:cTn id="11" presetID="1" presetClass="entr" presetSubtype="0" fill="hold" grpId="0" nodeType="clickEffect">
+                                  <p:stCondLst>
+                                    <p:cond delay="0"/>
+                                  </p:stCondLst>
+                                  <p:childTnLst>
+                                    <p:set>
+                                      <p:cBhvr>
+                                        <p:cTn id="12" dur="1" fill="hold">
+                                          <p:stCondLst>
+                                            <p:cond delay="0"/>
+                                          </p:stCondLst>
+                                        </p:cTn>
+                                        <p:tgtEl>
+                                          <p:spTgt spid="3">
+                                            <p:txEl>
+                                              <p:pRg st="2" end="2"/>
+                                            </p:txEl>
+                                          </p:spTgt>
+                                        </p:tgtEl>
+                                        <p:attrNameLst>
+                                          <p:attrName>style.visibility</p:attrName>
+                                        </p:attrNameLst>
+                                      </p:cBhvr>
+                                      <p:to>
+                                        <p:strVal val="visible"/>
+                                      </p:to>
+                                    </p:set>
+                                  </p:childTnLst>
+                                </p:cTn>
+                              </p:par>
+                              <p:par>
+                                <p:cTn id="13" presetID="1" presetClass="entr" presetSubtype="0" fill="hold" grpId="0" nodeType="withEffect">
+                                  <p:stCondLst>
+                                    <p:cond delay="0"/>
+                                  </p:stCondLst>
+                                  <p:childTnLst>
+                                    <p:set>
+                                      <p:cBhvr>
+                                        <p:cTn id="14" dur="1" fill="hold">
+                                          <p:stCondLst>
+                                            <p:cond delay="0"/>
+                                          </p:stCondLst>
+                                        </p:cTn>
+                                        <p:tgtEl>
+                                          <p:spTgt spid="3">
+                                            <p:txEl>
+                                              <p:pRg st="3" end="3"/>
+                                            </p:txEl>
+                                          </p:spTgt>
+                                        </p:tgtEl>
+                                        <p:attrNameLst>
+                                          <p:attrName>style.visibility</p:attrName>
+                                        </p:attrNameLst>
+                                      </p:cBhvr>
+                                      <p:to>
+                                        <p:strVal val="visible"/>
+                                      </p:to>
+                                    </p:set>
+                                  </p:childTnLst>
+                                </p:cTn>
+                              </p:par>
+                            </p:childTnLst>
+                          </p:cTn>
+                        </p:par>
+                      </p:childTnLst>
+                    </p:cTn>
+                  </p:par>
+                  <p:par>
+                    <p:cTn id="15" fill="hold">
+                      <p:stCondLst>
+                        <p:cond delay="indefinite"/>
+                      </p:stCondLst>
+                      <p:childTnLst>
+                        <p:par>
+                          <p:cTn id="16" fill="hold">
+                            <p:stCondLst>
+                              <p:cond delay="0"/>
+                            </p:stCondLst>
+                            <p:childTnLst>
+                              <p:par>
+                                <p:cTn id="17" presetID="1" presetClass="entr" presetSubtype="0" fill="hold" grpId="0" nodeType="clickEffect">
+                                  <p:stCondLst>
+                                    <p:cond delay="0"/>
+                                  </p:stCondLst>
+                                  <p:childTnLst>
+                                    <p:set>
+                                      <p:cBhvr>
+                                        <p:cTn id="18" dur="1" fill="hold">
+                                          <p:stCondLst>
+                                            <p:cond delay="0"/>
+                                          </p:stCondLst>
+                                        </p:cTn>
+                                        <p:tgtEl>
+                                          <p:spTgt spid="3">
+                                            <p:txEl>
+                                              <p:pRg st="4" end="4"/>
+                                            </p:txEl>
+                                          </p:spTgt>
+                                        </p:tgtEl>
+                                        <p:attrNameLst>
+                                          <p:attrName>style.visibility</p:attrName>
+                                        </p:attrNameLst>
+                                      </p:cBhvr>
+                                      <p:to>
+                                        <p:strVal val="visible"/>
+                                      </p:to>
+                                    </p:set>
+                                  </p:childTnLst>
+                                </p:cTn>
+                              </p:par>
+                            </p:childTnLst>
+                          </p:cTn>
+                        </p:par>
+                      </p:childTnLst>
+                    </p:cTn>
+                  </p:par>
+                  <p:par>
+                    <p:cTn id="19" fill="hold">
+                      <p:stCondLst>
+                        <p:cond delay="indefinite"/>
+                      </p:stCondLst>
+                      <p:childTnLst>
+                        <p:par>
+                          <p:cTn id="20" fill="hold">
+                            <p:stCondLst>
+                              <p:cond delay="0"/>
+                            </p:stCondLst>
+                            <p:childTnLst>
+                              <p:par>
+                                <p:cTn id="21" presetID="1" presetClass="entr" presetSubtype="0" fill="hold" grpId="0" nodeType="clickEffect">
+                                  <p:stCondLst>
+                                    <p:cond delay="0"/>
+                                  </p:stCondLst>
+                                  <p:childTnLst>
+                                    <p:set>
+                                      <p:cBhvr>
+                                        <p:cTn id="22" dur="1" fill="hold">
+                                          <p:stCondLst>
+                                            <p:cond delay="0"/>
+                                          </p:stCondLst>
+                                        </p:cTn>
+                                        <p:tgtEl>
+                                          <p:spTgt spid="3">
+                                            <p:txEl>
+                                              <p:pRg st="5" end="5"/>
+                                            </p:txEl>
+                                          </p:spTgt>
+                                        </p:tgtEl>
+                                        <p:attrNameLst>
+                                          <p:attrName>style.visibility</p:attrName>
+                                        </p:attrNameLst>
+                                      </p:cBhvr>
+                                      <p:to>
+                                        <p:strVal val="visible"/>
+                                      </p:to>
+                                    </p:set>
+                                  </p:childTnLst>
+                                </p:cTn>
+                              </p:par>
+                            </p:childTnLst>
+                          </p:cTn>
+                        </p:par>
+                      </p:childTnLst>
+                    </p:cTn>
+                  </p:par>
+                  <p:par>
+                    <p:cTn id="23" fill="hold">
+                      <p:stCondLst>
+                        <p:cond delay="indefinite"/>
+                      </p:stCondLst>
+                      <p:childTnLst>
+                        <p:par>
+                          <p:cTn id="24" fill="hold">
+                            <p:stCondLst>
+                              <p:cond delay="0"/>
+                            </p:stCondLst>
+                            <p:childTnLst>
+                              <p:par>
+                                <p:cTn id="25" presetID="1" presetClass="entr" presetSubtype="0" fill="hold" grpId="0" nodeType="clickEffect">
+                                  <p:stCondLst>
+                                    <p:cond delay="0"/>
+                                  </p:stCondLst>
+                                  <p:childTnLst>
+                                    <p:set>
+                                      <p:cBhvr>
+                                        <p:cTn id="26" dur="1" fill="hold">
+                                          <p:stCondLst>
+                                            <p:cond delay="0"/>
+                                          </p:stCondLst>
+                                        </p:cTn>
+                                        <p:tgtEl>
+                                          <p:spTgt spid="3">
+                                            <p:txEl>
+                                              <p:pRg st="6" end="6"/>
+                                            </p:txEl>
+                                          </p:spTgt>
+                                        </p:tgtEl>
+                                        <p:attrNameLst>
+                                          <p:attrName>style.visibility</p:attrName>
+                                        </p:attrNameLst>
+                                      </p:cBhvr>
+                                      <p:to>
+                                        <p:strVal val="visible"/>
+                                      </p:to>
+                                    </p:set>
+                                  </p:childTnLst>
+                                </p:cTn>
+                              </p:par>
+                            </p:childTnLst>
+                          </p:cTn>
+                        </p:par>
+                      </p:childTnLst>
+                    </p:cTn>
+                  </p:par>
+                  <p:par>
+                    <p:cTn id="27" fill="hold">
+                      <p:stCondLst>
+                        <p:cond delay="indefinite"/>
+                      </p:stCondLst>
+                      <p:childTnLst>
+                        <p:par>
+                          <p:cTn id="28" fill="hold">
+                            <p:stCondLst>
+                              <p:cond delay="0"/>
+                            </p:stCondLst>
+                            <p:childTnLst>
+                              <p:par>
+                                <p:cTn id="29" presetID="1" presetClass="entr" presetSubtype="0" fill="hold" grpId="0" nodeType="clickEffect">
+                                  <p:stCondLst>
+                                    <p:cond delay="0"/>
+                                  </p:stCondLst>
+                                  <p:childTnLst>
+                                    <p:set>
+                                      <p:cBhvr>
+                                        <p:cTn id="30" dur="1" fill="hold">
+                                          <p:stCondLst>
+                                            <p:cond delay="0"/>
+                                          </p:stCondLst>
+                                        </p:cTn>
+                                        <p:tgtEl>
+                                          <p:spTgt spid="3">
+                                            <p:txEl>
+                                              <p:pRg st="7" end="7"/>
+                                            </p:txEl>
+                                          </p:spTgt>
+                                        </p:tgtEl>
+                                        <p:attrNameLst>
+                                          <p:attrName>style.visibility</p:attrName>
+                                        </p:attrNameLst>
+                                      </p:cBhvr>
+                                      <p:to>
+                                        <p:strVal val="visible"/>
+                                      </p:to>
+                                    </p:set>
+                                  </p:childTnLst>
+                                </p:cTn>
+                              </p:par>
+                            </p:childTnLst>
+                          </p:cTn>
+                        </p:par>
+                      </p:childTnLst>
+                    </p:cTn>
+                  </p:par>
+                  <p:par>
+                    <p:cTn id="31" fill="hold">
+                      <p:stCondLst>
+                        <p:cond delay="indefinite"/>
+                      </p:stCondLst>
+                      <p:childTnLst>
+                        <p:par>
+                          <p:cTn id="32" fill="hold">
+                            <p:stCondLst>
+                              <p:cond delay="0"/>
+                            </p:stCondLst>
+                            <p:childTnLst>
+                              <p:par>
+                                <p:cTn id="33" presetID="1" presetClass="entr" presetSubtype="0" fill="hold" grpId="0" nodeType="clickEffect">
+                                  <p:stCondLst>
+                                    <p:cond delay="0"/>
+                                  </p:stCondLst>
+                                  <p:childTnLst>
+                                    <p:set>
+                                      <p:cBhvr>
+                                        <p:cTn id="34" dur="1" fill="hold">
+                                          <p:stCondLst>
+                                            <p:cond delay="0"/>
+                                          </p:stCondLst>
+                                        </p:cTn>
+                                        <p:tgtEl>
+                                          <p:spTgt spid="3">
+                                            <p:txEl>
+                                              <p:pRg st="8" end="8"/>
+                                            </p:txEl>
+                                          </p:spTgt>
+                                        </p:tgtEl>
+                                        <p:attrNameLst>
+                                          <p:attrName>style.visibility</p:attrName>
+                                        </p:attrNameLst>
+                                      </p:cBhvr>
+                                      <p:to>
+                                        <p:strVal val="visible"/>
+                                      </p:to>
+                                    </p:set>
+                                  </p:childTnLst>
+                                </p:cTn>
+                              </p:par>
+                            </p:childTnLst>
+                          </p:cTn>
+                        </p:par>
+                      </p:childTnLst>
+                    </p:cTn>
+                  </p:par>
+                </p:childTnLst>
+              </p:cTn>
+              <p:prevCondLst>
+                <p:cond evt="onPrev" delay="0">
+                  <p:tgtEl>
+                    <p:sldTgt/>
+                  </p:tgtEl>
+                </p:cond>
+              </p:prevCondLst>
+              <p:nextCondLst>
+                <p:cond evt="onNext" delay="0">
+                  <p:tgtEl>
+                    <p:sldTgt/>
+                  </p:tgtEl>
+                </p:cond>
+              </p:nextCondLst>
+            </p:seq>
+          </p:childTnLst>
+        </p:cTn>
+      </p:par>
+    </p:tnLst>
+    <p:bldLst>
+      <p:bldP spid="3" grpId="0" build="p"/>
+    </p:bldLst>
+  </p:timing>
+</p:sld>
+</file>
+
+<file path=ppt/slides/slide6.xml><?xml version="1.0" encoding="utf-8"?>
+<p:sld xmlns:a="http://schemas.openxmlformats.org/drawingml/2006/main" xmlns:r="http://schemas.openxmlformats.org/officeDocument/2006/relationships" xmlns:p="http://schemas.openxmlformats.org/presentationml/2006/main">
+  <p:cSld>
+    <p:spTree>
+      <p:nvGrpSpPr>
+        <p:cNvPr id="1" name=""/>
+        <p:cNvGrpSpPr/>
+        <p:nvPr/>
+      </p:nvGrpSpPr>
+      <p:grpSpPr>
+        <a:xfrm>
+          <a:off x="0" y="0"/>
+          <a:ext cx="0" cy="0"/>
+          <a:chOff x="0" y="0"/>
+          <a:chExt cx="0" cy="0"/>
+        </a:xfrm>
+      </p:grpSpPr>
+      <p:sp>
+        <p:nvSpPr>
+          <p:cNvPr id="2" name="Title 1">
+            <a:extLst>
+              <a:ext uri="{FF2B5EF4-FFF2-40B4-BE49-F238E27FC236}">
                 <a16:creationId xmlns:a16="http://schemas.microsoft.com/office/drawing/2014/main" id="{3D120EB0-76F9-4A9E-92F8-727A7686DBAB}"/>
               </a:ext>
             </a:extLst>
@@ -4685,10 +5656,381 @@
   <p:clrMapOvr>
     <a:masterClrMapping/>
   </p:clrMapOvr>
+  <p:timing>
+    <p:tnLst>
+      <p:par>
+        <p:cTn id="1" dur="indefinite" restart="never" nodeType="tmRoot">
+          <p:childTnLst>
+            <p:seq concurrent="1" nextAc="seek">
+              <p:cTn id="2" dur="indefinite" nodeType="mainSeq">
+                <p:childTnLst>
+                  <p:par>
+                    <p:cTn id="3" fill="hold">
+                      <p:stCondLst>
+                        <p:cond delay="indefinite"/>
+                      </p:stCondLst>
+                      <p:childTnLst>
+                        <p:par>
+                          <p:cTn id="4" fill="hold">
+                            <p:stCondLst>
+                              <p:cond delay="0"/>
+                            </p:stCondLst>
+                            <p:childTnLst>
+                              <p:par>
+                                <p:cTn id="5" presetID="1" presetClass="entr" presetSubtype="0" fill="hold" grpId="0" nodeType="clickEffect">
+                                  <p:stCondLst>
+                                    <p:cond delay="0"/>
+                                  </p:stCondLst>
+                                  <p:childTnLst>
+                                    <p:set>
+                                      <p:cBhvr>
+                                        <p:cTn id="6" dur="1" fill="hold">
+                                          <p:stCondLst>
+                                            <p:cond delay="0"/>
+                                          </p:stCondLst>
+                                        </p:cTn>
+                                        <p:tgtEl>
+                                          <p:spTgt spid="3">
+                                            <p:txEl>
+                                              <p:pRg st="0" end="0"/>
+                                            </p:txEl>
+                                          </p:spTgt>
+                                        </p:tgtEl>
+                                        <p:attrNameLst>
+                                          <p:attrName>style.visibility</p:attrName>
+                                        </p:attrNameLst>
+                                      </p:cBhvr>
+                                      <p:to>
+                                        <p:strVal val="visible"/>
+                                      </p:to>
+                                    </p:set>
+                                  </p:childTnLst>
+                                </p:cTn>
+                              </p:par>
+                            </p:childTnLst>
+                          </p:cTn>
+                        </p:par>
+                      </p:childTnLst>
+                    </p:cTn>
+                  </p:par>
+                  <p:par>
+                    <p:cTn id="7" fill="hold">
+                      <p:stCondLst>
+                        <p:cond delay="indefinite"/>
+                      </p:stCondLst>
+                      <p:childTnLst>
+                        <p:par>
+                          <p:cTn id="8" fill="hold">
+                            <p:stCondLst>
+                              <p:cond delay="0"/>
+                            </p:stCondLst>
+                            <p:childTnLst>
+                              <p:par>
+                                <p:cTn id="9" presetID="1" presetClass="entr" presetSubtype="0" fill="hold" grpId="0" nodeType="clickEffect">
+                                  <p:stCondLst>
+                                    <p:cond delay="0"/>
+                                  </p:stCondLst>
+                                  <p:childTnLst>
+                                    <p:set>
+                                      <p:cBhvr>
+                                        <p:cTn id="10" dur="1" fill="hold">
+                                          <p:stCondLst>
+                                            <p:cond delay="0"/>
+                                          </p:stCondLst>
+                                        </p:cTn>
+                                        <p:tgtEl>
+                                          <p:spTgt spid="3">
+                                            <p:txEl>
+                                              <p:pRg st="1" end="1"/>
+                                            </p:txEl>
+                                          </p:spTgt>
+                                        </p:tgtEl>
+                                        <p:attrNameLst>
+                                          <p:attrName>style.visibility</p:attrName>
+                                        </p:attrNameLst>
+                                      </p:cBhvr>
+                                      <p:to>
+                                        <p:strVal val="visible"/>
+                                      </p:to>
+                                    </p:set>
+                                  </p:childTnLst>
+                                </p:cTn>
+                              </p:par>
+                              <p:par>
+                                <p:cTn id="11" presetID="1" presetClass="entr" presetSubtype="0" fill="hold" grpId="0" nodeType="withEffect">
+                                  <p:stCondLst>
+                                    <p:cond delay="0"/>
+                                  </p:stCondLst>
+                                  <p:childTnLst>
+                                    <p:set>
+                                      <p:cBhvr>
+                                        <p:cTn id="12" dur="1" fill="hold">
+                                          <p:stCondLst>
+                                            <p:cond delay="0"/>
+                                          </p:stCondLst>
+                                        </p:cTn>
+                                        <p:tgtEl>
+                                          <p:spTgt spid="3">
+                                            <p:txEl>
+                                              <p:pRg st="2" end="2"/>
+                                            </p:txEl>
+                                          </p:spTgt>
+                                        </p:tgtEl>
+                                        <p:attrNameLst>
+                                          <p:attrName>style.visibility</p:attrName>
+                                        </p:attrNameLst>
+                                      </p:cBhvr>
+                                      <p:to>
+                                        <p:strVal val="visible"/>
+                                      </p:to>
+                                    </p:set>
+                                  </p:childTnLst>
+                                </p:cTn>
+                              </p:par>
+                            </p:childTnLst>
+                          </p:cTn>
+                        </p:par>
+                      </p:childTnLst>
+                    </p:cTn>
+                  </p:par>
+                  <p:par>
+                    <p:cTn id="13" fill="hold">
+                      <p:stCondLst>
+                        <p:cond delay="indefinite"/>
+                      </p:stCondLst>
+                      <p:childTnLst>
+                        <p:par>
+                          <p:cTn id="14" fill="hold">
+                            <p:stCondLst>
+                              <p:cond delay="0"/>
+                            </p:stCondLst>
+                            <p:childTnLst>
+                              <p:par>
+                                <p:cTn id="15" presetID="1" presetClass="entr" presetSubtype="0" fill="hold" grpId="0" nodeType="clickEffect">
+                                  <p:stCondLst>
+                                    <p:cond delay="0"/>
+                                  </p:stCondLst>
+                                  <p:childTnLst>
+                                    <p:set>
+                                      <p:cBhvr>
+                                        <p:cTn id="16" dur="1" fill="hold">
+                                          <p:stCondLst>
+                                            <p:cond delay="0"/>
+                                          </p:stCondLst>
+                                        </p:cTn>
+                                        <p:tgtEl>
+                                          <p:spTgt spid="3">
+                                            <p:txEl>
+                                              <p:pRg st="3" end="3"/>
+                                            </p:txEl>
+                                          </p:spTgt>
+                                        </p:tgtEl>
+                                        <p:attrNameLst>
+                                          <p:attrName>style.visibility</p:attrName>
+                                        </p:attrNameLst>
+                                      </p:cBhvr>
+                                      <p:to>
+                                        <p:strVal val="visible"/>
+                                      </p:to>
+                                    </p:set>
+                                  </p:childTnLst>
+                                </p:cTn>
+                              </p:par>
+                              <p:par>
+                                <p:cTn id="17" presetID="1" presetClass="entr" presetSubtype="0" fill="hold" grpId="0" nodeType="withEffect">
+                                  <p:stCondLst>
+                                    <p:cond delay="0"/>
+                                  </p:stCondLst>
+                                  <p:childTnLst>
+                                    <p:set>
+                                      <p:cBhvr>
+                                        <p:cTn id="18" dur="1" fill="hold">
+                                          <p:stCondLst>
+                                            <p:cond delay="0"/>
+                                          </p:stCondLst>
+                                        </p:cTn>
+                                        <p:tgtEl>
+                                          <p:spTgt spid="3">
+                                            <p:txEl>
+                                              <p:pRg st="4" end="4"/>
+                                            </p:txEl>
+                                          </p:spTgt>
+                                        </p:tgtEl>
+                                        <p:attrNameLst>
+                                          <p:attrName>style.visibility</p:attrName>
+                                        </p:attrNameLst>
+                                      </p:cBhvr>
+                                      <p:to>
+                                        <p:strVal val="visible"/>
+                                      </p:to>
+                                    </p:set>
+                                  </p:childTnLst>
+                                </p:cTn>
+                              </p:par>
+                            </p:childTnLst>
+                          </p:cTn>
+                        </p:par>
+                      </p:childTnLst>
+                    </p:cTn>
+                  </p:par>
+                  <p:par>
+                    <p:cTn id="19" fill="hold">
+                      <p:stCondLst>
+                        <p:cond delay="indefinite"/>
+                      </p:stCondLst>
+                      <p:childTnLst>
+                        <p:par>
+                          <p:cTn id="20" fill="hold">
+                            <p:stCondLst>
+                              <p:cond delay="0"/>
+                            </p:stCondLst>
+                            <p:childTnLst>
+                              <p:par>
+                                <p:cTn id="21" presetID="1" presetClass="entr" presetSubtype="0" fill="hold" grpId="0" nodeType="clickEffect">
+                                  <p:stCondLst>
+                                    <p:cond delay="0"/>
+                                  </p:stCondLst>
+                                  <p:childTnLst>
+                                    <p:set>
+                                      <p:cBhvr>
+                                        <p:cTn id="22" dur="1" fill="hold">
+                                          <p:stCondLst>
+                                            <p:cond delay="0"/>
+                                          </p:stCondLst>
+                                        </p:cTn>
+                                        <p:tgtEl>
+                                          <p:spTgt spid="3">
+                                            <p:txEl>
+                                              <p:pRg st="5" end="5"/>
+                                            </p:txEl>
+                                          </p:spTgt>
+                                        </p:tgtEl>
+                                        <p:attrNameLst>
+                                          <p:attrName>style.visibility</p:attrName>
+                                        </p:attrNameLst>
+                                      </p:cBhvr>
+                                      <p:to>
+                                        <p:strVal val="visible"/>
+                                      </p:to>
+                                    </p:set>
+                                  </p:childTnLst>
+                                </p:cTn>
+                              </p:par>
+                              <p:par>
+                                <p:cTn id="23" presetID="1" presetClass="entr" presetSubtype="0" fill="hold" grpId="0" nodeType="withEffect">
+                                  <p:stCondLst>
+                                    <p:cond delay="0"/>
+                                  </p:stCondLst>
+                                  <p:childTnLst>
+                                    <p:set>
+                                      <p:cBhvr>
+                                        <p:cTn id="24" dur="1" fill="hold">
+                                          <p:stCondLst>
+                                            <p:cond delay="0"/>
+                                          </p:stCondLst>
+                                        </p:cTn>
+                                        <p:tgtEl>
+                                          <p:spTgt spid="3">
+                                            <p:txEl>
+                                              <p:pRg st="6" end="6"/>
+                                            </p:txEl>
+                                          </p:spTgt>
+                                        </p:tgtEl>
+                                        <p:attrNameLst>
+                                          <p:attrName>style.visibility</p:attrName>
+                                        </p:attrNameLst>
+                                      </p:cBhvr>
+                                      <p:to>
+                                        <p:strVal val="visible"/>
+                                      </p:to>
+                                    </p:set>
+                                  </p:childTnLst>
+                                </p:cTn>
+                              </p:par>
+                            </p:childTnLst>
+                          </p:cTn>
+                        </p:par>
+                      </p:childTnLst>
+                    </p:cTn>
+                  </p:par>
+                  <p:par>
+                    <p:cTn id="25" fill="hold">
+                      <p:stCondLst>
+                        <p:cond delay="indefinite"/>
+                      </p:stCondLst>
+                      <p:childTnLst>
+                        <p:par>
+                          <p:cTn id="26" fill="hold">
+                            <p:stCondLst>
+                              <p:cond delay="0"/>
+                            </p:stCondLst>
+                            <p:childTnLst>
+                              <p:par>
+                                <p:cTn id="27" presetID="1" presetClass="entr" presetSubtype="0" fill="hold" grpId="0" nodeType="clickEffect">
+                                  <p:stCondLst>
+                                    <p:cond delay="0"/>
+                                  </p:stCondLst>
+                                  <p:childTnLst>
+                                    <p:set>
+                                      <p:cBhvr>
+                                        <p:cTn id="28" dur="1" fill="hold">
+                                          <p:stCondLst>
+                                            <p:cond delay="0"/>
+                                          </p:stCondLst>
+                                        </p:cTn>
+                                        <p:tgtEl>
+                                          <p:spTgt spid="3">
+                                            <p:txEl>
+                                              <p:pRg st="7" end="7"/>
+                                            </p:txEl>
+                                          </p:spTgt>
+                                        </p:tgtEl>
+                                        <p:attrNameLst>
+                                          <p:attrName>style.visibility</p:attrName>
+                                        </p:attrNameLst>
+                                      </p:cBhvr>
+                                      <p:to>
+                                        <p:strVal val="visible"/>
+                                      </p:to>
+                                    </p:set>
+                                  </p:childTnLst>
+                                </p:cTn>
+                              </p:par>
+                            </p:childTnLst>
+                          </p:cTn>
+                        </p:par>
+                      </p:childTnLst>
+                    </p:cTn>
+                  </p:par>
+                </p:childTnLst>
+              </p:cTn>
+              <p:prevCondLst>
+                <p:cond evt="onPrev" delay="0">
+                  <p:tgtEl>
+                    <p:sldTgt/>
+                  </p:tgtEl>
+                </p:cond>
+              </p:prevCondLst>
+              <p:nextCondLst>
+                <p:cond evt="onNext" delay="0">
+                  <p:tgtEl>
+                    <p:sldTgt/>
+                  </p:tgtEl>
+                </p:cond>
+              </p:nextCondLst>
+            </p:seq>
+          </p:childTnLst>
+        </p:cTn>
+      </p:par>
+    </p:tnLst>
+    <p:bldLst>
+      <p:bldP spid="3" grpId="0" build="p"/>
+    </p:bldLst>
+  </p:timing>
 </p:sld>
 </file>
 
-<file path=ppt/slides/slide6.xml><?xml version="1.0" encoding="utf-8"?>
+<file path=ppt/slides/slide7.xml><?xml version="1.0" encoding="utf-8"?>
 <p:sld xmlns:a="http://schemas.openxmlformats.org/drawingml/2006/main" xmlns:r="http://schemas.openxmlformats.org/officeDocument/2006/relationships" xmlns:p="http://schemas.openxmlformats.org/presentationml/2006/main">
   <p:cSld>
     <p:spTree>
@@ -5118,7 +6460,7 @@
 </p:sld>
 </file>
 
-<file path=ppt/slides/slide7.xml><?xml version="1.0" encoding="utf-8"?>
+<file path=ppt/slides/slide8.xml><?xml version="1.0" encoding="utf-8"?>
 <p:sld xmlns:a="http://schemas.openxmlformats.org/drawingml/2006/main" xmlns:r="http://schemas.openxmlformats.org/officeDocument/2006/relationships" xmlns:p="http://schemas.openxmlformats.org/presentationml/2006/main">
   <p:cSld>
     <p:bg>
@@ -5920,21 +7262,6 @@
 </file>
 
 <file path=customXml/item1.xml><?xml version="1.0" encoding="utf-8"?>
-<p:properties xmlns:p="http://schemas.microsoft.com/office/2006/metadata/properties" xmlns:xsi="http://www.w3.org/2001/XMLSchema-instance" xmlns:pc="http://schemas.microsoft.com/office/infopath/2007/PartnerControls">
-  <documentManagement/>
-</p:properties>
-</file>
-
-<file path=customXml/item2.xml><?xml version="1.0" encoding="utf-8"?>
-<?mso-contentType ?>
-<FormTemplates xmlns="http://schemas.microsoft.com/sharepoint/v3/contenttype/forms">
-  <Display>DocumentLibraryForm</Display>
-  <Edit>DocumentLibraryForm</Edit>
-  <New>DocumentLibraryForm</New>
-</FormTemplates>
-</file>
-
-<file path=customXml/item3.xml><?xml version="1.0" encoding="utf-8"?>
 <ct:contentTypeSchema xmlns:ct="http://schemas.microsoft.com/office/2006/metadata/contentType" xmlns:ma="http://schemas.microsoft.com/office/2006/metadata/properties/metaAttributes" ct:_="" ma:_="" ma:contentTypeName="Document" ma:contentTypeID="0x010100ABA223F759147049B9D8A25DED07DD24" ma:contentTypeVersion="14" ma:contentTypeDescription="Create a new document." ma:contentTypeScope="" ma:versionID="754cccfe17833f4d06e0267dc9c12ab7">
   <xsd:schema xmlns:xsd="http://www.w3.org/2001/XMLSchema" xmlns:xs="http://www.w3.org/2001/XMLSchema" xmlns:p="http://schemas.microsoft.com/office/2006/metadata/properties" xmlns:ns3="cc9255bc-4d99-4f42-bba5-857cbcc6e725" xmlns:ns4="fc2bff61-6a31-4c51-9f32-b9bba46405e5" targetNamespace="http://schemas.microsoft.com/office/2006/metadata/properties" ma:root="true" ma:fieldsID="e32414dc8724dfdc561355c14801bc84" ns3:_="" ns4:_="">
     <xsd:import namespace="cc9255bc-4d99-4f42-bba5-857cbcc6e725"/>
@@ -6163,32 +7490,22 @@
 </ct:contentTypeSchema>
 </file>
 
-<file path=customXml/itemProps1.xml><?xml version="1.0" encoding="utf-8"?>
-<ds:datastoreItem xmlns:ds="http://schemas.openxmlformats.org/officeDocument/2006/customXml" ds:itemID="{82A546FB-9270-4554-87AE-89FE30D805B0}">
-  <ds:schemaRefs>
-    <ds:schemaRef ds:uri="http://www.w3.org/XML/1998/namespace"/>
-    <ds:schemaRef ds:uri="http://purl.org/dc/dcmitype/"/>
-    <ds:schemaRef ds:uri="http://schemas.microsoft.com/office/infopath/2007/PartnerControls"/>
-    <ds:schemaRef ds:uri="fc2bff61-6a31-4c51-9f32-b9bba46405e5"/>
-    <ds:schemaRef ds:uri="cc9255bc-4d99-4f42-bba5-857cbcc6e725"/>
-    <ds:schemaRef ds:uri="http://schemas.microsoft.com/office/2006/documentManagement/types"/>
-    <ds:schemaRef ds:uri="http://purl.org/dc/terms/"/>
-    <ds:schemaRef ds:uri="http://schemas.openxmlformats.org/package/2006/metadata/core-properties"/>
-    <ds:schemaRef ds:uri="http://schemas.microsoft.com/office/2006/metadata/properties"/>
-    <ds:schemaRef ds:uri="http://purl.org/dc/elements/1.1/"/>
-  </ds:schemaRefs>
-</ds:datastoreItem>
+<file path=customXml/item2.xml><?xml version="1.0" encoding="utf-8"?>
+<?mso-contentType ?>
+<FormTemplates xmlns="http://schemas.microsoft.com/sharepoint/v3/contenttype/forms">
+  <Display>DocumentLibraryForm</Display>
+  <Edit>DocumentLibraryForm</Edit>
+  <New>DocumentLibraryForm</New>
+</FormTemplates>
 </file>
 
-<file path=customXml/itemProps2.xml><?xml version="1.0" encoding="utf-8"?>
-<ds:datastoreItem xmlns:ds="http://schemas.openxmlformats.org/officeDocument/2006/customXml" ds:itemID="{FFF71063-750A-4F15-A0E6-049A2BA10D5D}">
-  <ds:schemaRefs>
-    <ds:schemaRef ds:uri="http://schemas.microsoft.com/sharepoint/v3/contenttype/forms"/>
-  </ds:schemaRefs>
-</ds:datastoreItem>
+<file path=customXml/item3.xml><?xml version="1.0" encoding="utf-8"?>
+<p:properties xmlns:p="http://schemas.microsoft.com/office/2006/metadata/properties" xmlns:xsi="http://www.w3.org/2001/XMLSchema-instance" xmlns:pc="http://schemas.microsoft.com/office/infopath/2007/PartnerControls">
+  <documentManagement/>
+</p:properties>
 </file>
 
-<file path=customXml/itemProps3.xml><?xml version="1.0" encoding="utf-8"?>
+<file path=customXml/itemProps1.xml><?xml version="1.0" encoding="utf-8"?>
 <ds:datastoreItem xmlns:ds="http://schemas.openxmlformats.org/officeDocument/2006/customXml" ds:itemID="{B2D82F21-8668-4A3F-A308-37FA558F9F37}">
   <ds:schemaRefs>
     <ds:schemaRef ds:uri="http://schemas.microsoft.com/office/2006/metadata/contentType"/>
@@ -6205,4 +7522,29 @@
     <ds:schemaRef ds:uri="http://schemas.microsoft.com/internal/obd"/>
   </ds:schemaRefs>
 </ds:datastoreItem>
+</file>
+
+<file path=customXml/itemProps2.xml><?xml version="1.0" encoding="utf-8"?>
+<ds:datastoreItem xmlns:ds="http://schemas.openxmlformats.org/officeDocument/2006/customXml" ds:itemID="{FFF71063-750A-4F15-A0E6-049A2BA10D5D}">
+  <ds:schemaRefs>
+    <ds:schemaRef ds:uri="http://schemas.microsoft.com/sharepoint/v3/contenttype/forms"/>
+  </ds:schemaRefs>
+</ds:datastoreItem>
+</file>
+
+<file path=customXml/itemProps3.xml><?xml version="1.0" encoding="utf-8"?>
+<ds:datastoreItem xmlns:ds="http://schemas.openxmlformats.org/officeDocument/2006/customXml" ds:itemID="{82A546FB-9270-4554-87AE-89FE30D805B0}">
+  <ds:schemaRefs>
+    <ds:schemaRef ds:uri="http://schemas.microsoft.com/office/2006/documentManagement/types"/>
+    <ds:schemaRef ds:uri="fc2bff61-6a31-4c51-9f32-b9bba46405e5"/>
+    <ds:schemaRef ds:uri="http://purl.org/dc/elements/1.1/"/>
+    <ds:schemaRef ds:uri="http://www.w3.org/XML/1998/namespace"/>
+    <ds:schemaRef ds:uri="http://purl.org/dc/terms/"/>
+    <ds:schemaRef ds:uri="cc9255bc-4d99-4f42-bba5-857cbcc6e725"/>
+    <ds:schemaRef ds:uri="http://purl.org/dc/dcmitype/"/>
+    <ds:schemaRef ds:uri="http://schemas.openxmlformats.org/package/2006/metadata/core-properties"/>
+    <ds:schemaRef ds:uri="http://schemas.microsoft.com/office/infopath/2007/PartnerControls"/>
+    <ds:schemaRef ds:uri="http://schemas.microsoft.com/office/2006/metadata/properties"/>
+  </ds:schemaRefs>
+</ds:datastoreItem>
 </file>